--- a/RBAC Hierarchy.pptx
+++ b/RBAC Hierarchy.pptx
@@ -3335,7 +3335,7 @@
         </p:nvSpPr>
         <p:spPr>
           <a:xfrm>
-            <a:off x="3155097" y="475302"/>
+            <a:off x="5175283" y="454037"/>
             <a:ext cx="1242006" cy="492950"/>
           </a:xfrm>
           <a:prstGeom prst="roundRect">
@@ -3385,7 +3385,7 @@
         </p:nvSpPr>
         <p:spPr>
           <a:xfrm>
-            <a:off x="4961860" y="1687415"/>
+            <a:off x="6982046" y="1666150"/>
             <a:ext cx="1695662" cy="492950"/>
           </a:xfrm>
           <a:prstGeom prst="roundRect">
@@ -3435,7 +3435,7 @@
         </p:nvSpPr>
         <p:spPr>
           <a:xfrm>
-            <a:off x="5199321" y="5740891"/>
+            <a:off x="7219507" y="5719626"/>
             <a:ext cx="1242006" cy="492950"/>
           </a:xfrm>
           <a:prstGeom prst="roundRect">
@@ -3485,7 +3485,7 @@
         </p:nvSpPr>
         <p:spPr>
           <a:xfrm>
-            <a:off x="5188688" y="4402659"/>
+            <a:off x="7208874" y="4381394"/>
             <a:ext cx="1242006" cy="492950"/>
           </a:xfrm>
           <a:prstGeom prst="roundRect">
@@ -3535,7 +3535,7 @@
         </p:nvSpPr>
         <p:spPr>
           <a:xfrm>
-            <a:off x="5199321" y="3120201"/>
+            <a:off x="7219507" y="3098936"/>
             <a:ext cx="1242006" cy="492950"/>
           </a:xfrm>
           <a:prstGeom prst="roundRect">
@@ -3599,7 +3599,7 @@
         </p:blipFill>
         <p:spPr>
           <a:xfrm>
-            <a:off x="424299" y="115722"/>
+            <a:off x="2444485" y="94457"/>
             <a:ext cx="1212112" cy="1212112"/>
           </a:xfrm>
           <a:prstGeom prst="rect">
@@ -3635,7 +3635,7 @@
         </p:blipFill>
         <p:spPr>
           <a:xfrm>
-            <a:off x="424299" y="1338467"/>
+            <a:off x="2444485" y="1317202"/>
             <a:ext cx="1212112" cy="1212112"/>
           </a:xfrm>
           <a:prstGeom prst="rect">
@@ -3671,7 +3671,7 @@
         </p:blipFill>
         <p:spPr>
           <a:xfrm>
-            <a:off x="424299" y="2761848"/>
+            <a:off x="2444485" y="2740583"/>
             <a:ext cx="1212112" cy="1212112"/>
           </a:xfrm>
           <a:prstGeom prst="rect">
@@ -3707,7 +3707,7 @@
         </p:blipFill>
         <p:spPr>
           <a:xfrm>
-            <a:off x="424299" y="4071579"/>
+            <a:off x="2444485" y="4050314"/>
             <a:ext cx="1212112" cy="1212112"/>
           </a:xfrm>
           <a:prstGeom prst="rect">
@@ -3743,7 +3743,7 @@
         </p:blipFill>
         <p:spPr>
           <a:xfrm>
-            <a:off x="424299" y="5381310"/>
+            <a:off x="2444485" y="5360045"/>
             <a:ext cx="1212112" cy="1212112"/>
           </a:xfrm>
           <a:prstGeom prst="rect">
@@ -3769,7 +3769,7 @@
         </p:nvCxnSpPr>
         <p:spPr>
           <a:xfrm rot="10800000" flipV="1">
-            <a:off x="1636411" y="721776"/>
+            <a:off x="3656597" y="700511"/>
             <a:ext cx="1518686" cy="1"/>
           </a:xfrm>
           <a:prstGeom prst="bentConnector3">
@@ -3812,7 +3812,7 @@
         </p:nvCxnSpPr>
         <p:spPr>
           <a:xfrm rot="16200000" flipV="1">
-            <a:off x="4433315" y="311038"/>
+            <a:off x="6453501" y="289773"/>
             <a:ext cx="719163" cy="2033591"/>
           </a:xfrm>
           <a:prstGeom prst="bentConnector3">
@@ -3855,7 +3855,7 @@
         </p:nvCxnSpPr>
         <p:spPr>
           <a:xfrm rot="16200000" flipV="1">
-            <a:off x="5345090" y="2644966"/>
+            <a:off x="7365276" y="2623701"/>
             <a:ext cx="939836" cy="10633"/>
           </a:xfrm>
           <a:prstGeom prst="bentConnector3">
@@ -3898,7 +3898,7 @@
         </p:nvCxnSpPr>
         <p:spPr>
           <a:xfrm rot="10800000" flipV="1">
-            <a:off x="1636411" y="3366676"/>
+            <a:off x="3656597" y="3345411"/>
             <a:ext cx="3562910" cy="1228"/>
           </a:xfrm>
           <a:prstGeom prst="bentConnector3">
@@ -3941,7 +3941,7 @@
         </p:nvCxnSpPr>
         <p:spPr>
           <a:xfrm rot="5400000" flipH="1" flipV="1">
-            <a:off x="5420253" y="4002589"/>
+            <a:off x="7440439" y="3981324"/>
             <a:ext cx="789508" cy="10633"/>
           </a:xfrm>
           <a:prstGeom prst="bentConnector3">
@@ -3984,7 +3984,7 @@
         </p:nvCxnSpPr>
         <p:spPr>
           <a:xfrm flipH="1">
-            <a:off x="1636411" y="4649134"/>
+            <a:off x="3656597" y="4627869"/>
             <a:ext cx="3552277" cy="28501"/>
           </a:xfrm>
           <a:prstGeom prst="straightConnector1">
@@ -4027,7 +4027,7 @@
         </p:nvCxnSpPr>
         <p:spPr>
           <a:xfrm flipH="1">
-            <a:off x="1636411" y="1933890"/>
+            <a:off x="3656597" y="1912625"/>
             <a:ext cx="3325449" cy="10633"/>
           </a:xfrm>
           <a:prstGeom prst="straightConnector1">
@@ -4070,7 +4070,7 @@
         </p:nvCxnSpPr>
         <p:spPr>
           <a:xfrm flipH="1">
-            <a:off x="1636411" y="5987366"/>
+            <a:off x="3656597" y="5966101"/>
             <a:ext cx="3562910" cy="0"/>
           </a:xfrm>
           <a:prstGeom prst="straightConnector1">
@@ -4113,7 +4113,7 @@
         </p:nvCxnSpPr>
         <p:spPr>
           <a:xfrm rot="16200000" flipV="1">
-            <a:off x="5392367" y="5312933"/>
+            <a:off x="7412553" y="5291668"/>
             <a:ext cx="845282" cy="10633"/>
           </a:xfrm>
           <a:prstGeom prst="bentConnector3">
@@ -4138,6 +4138,234 @@
           </a:fontRef>
         </p:style>
       </p:cxnSp>
+      <p:sp>
+        <p:nvSpPr>
+          <p:cNvPr id="60" name="กล่องข้อความ 59">
+            <a:extLst>
+              <a:ext uri="{FF2B5EF4-FFF2-40B4-BE49-F238E27FC236}">
+                <a16:creationId xmlns:a16="http://schemas.microsoft.com/office/drawing/2014/main" id="{C37ED88D-2C07-4475-9668-5EC9F29C1D11}"/>
+              </a:ext>
+            </a:extLst>
+          </p:cNvPr>
+          <p:cNvSpPr txBox="1"/>
+          <p:nvPr/>
+        </p:nvSpPr>
+        <p:spPr>
+          <a:xfrm>
+            <a:off x="6602819" y="411637"/>
+            <a:ext cx="2824812" cy="523220"/>
+          </a:xfrm>
+          <a:prstGeom prst="rect">
+            <a:avLst/>
+          </a:prstGeom>
+          <a:noFill/>
+        </p:spPr>
+        <p:txBody>
+          <a:bodyPr wrap="none" rtlCol="0">
+            <a:spAutoFit/>
+          </a:bodyPr>
+          <a:lstStyle/>
+          <a:p>
+            <a:r>
+              <a:rPr lang="en-US" dirty="0"/>
+              <a:t>-</a:t>
+            </a:r>
+            <a:r>
+              <a:rPr lang="th-TH" dirty="0"/>
+              <a:t>สามารถจัดการได้ทุกอย่าง</a:t>
+            </a:r>
+          </a:p>
+        </p:txBody>
+      </p:sp>
+      <p:sp>
+        <p:nvSpPr>
+          <p:cNvPr id="61" name="กล่องข้อความ 60">
+            <a:extLst>
+              <a:ext uri="{FF2B5EF4-FFF2-40B4-BE49-F238E27FC236}">
+                <a16:creationId xmlns:a16="http://schemas.microsoft.com/office/drawing/2014/main" id="{F5DF28FD-9C50-49B7-A745-F9BCF5F9B49B}"/>
+              </a:ext>
+            </a:extLst>
+          </p:cNvPr>
+          <p:cNvSpPr txBox="1"/>
+          <p:nvPr/>
+        </p:nvSpPr>
+        <p:spPr>
+          <a:xfrm>
+            <a:off x="8895089" y="1635879"/>
+            <a:ext cx="3037050" cy="523220"/>
+          </a:xfrm>
+          <a:prstGeom prst="rect">
+            <a:avLst/>
+          </a:prstGeom>
+          <a:noFill/>
+        </p:spPr>
+        <p:txBody>
+          <a:bodyPr wrap="none" rtlCol="0">
+            <a:spAutoFit/>
+          </a:bodyPr>
+          <a:lstStyle/>
+          <a:p>
+            <a:r>
+              <a:rPr lang="en-US" dirty="0"/>
+              <a:t>-Delete </a:t>
+            </a:r>
+            <a:r>
+              <a:rPr lang="th-TH" dirty="0"/>
+              <a:t>บทความคนอื่นได้</a:t>
+            </a:r>
+          </a:p>
+        </p:txBody>
+      </p:sp>
+      <p:sp>
+        <p:nvSpPr>
+          <p:cNvPr id="62" name="กล่องข้อความ 61">
+            <a:extLst>
+              <a:ext uri="{FF2B5EF4-FFF2-40B4-BE49-F238E27FC236}">
+                <a16:creationId xmlns:a16="http://schemas.microsoft.com/office/drawing/2014/main" id="{E3AF76E3-2BA8-4DD5-9E74-B47BA2084008}"/>
+              </a:ext>
+            </a:extLst>
+          </p:cNvPr>
+          <p:cNvSpPr txBox="1"/>
+          <p:nvPr/>
+        </p:nvSpPr>
+        <p:spPr>
+          <a:xfrm>
+            <a:off x="8677708" y="2941328"/>
+            <a:ext cx="905120" cy="1077218"/>
+          </a:xfrm>
+          <a:prstGeom prst="rect">
+            <a:avLst/>
+          </a:prstGeom>
+          <a:noFill/>
+        </p:spPr>
+        <p:txBody>
+          <a:bodyPr wrap="none" rtlCol="0">
+            <a:spAutoFit/>
+          </a:bodyPr>
+          <a:lstStyle/>
+          <a:p>
+            <a:r>
+              <a:rPr lang="en-US" sz="1600" dirty="0"/>
+              <a:t>-Create </a:t>
+            </a:r>
+          </a:p>
+          <a:p>
+            <a:r>
+              <a:rPr lang="en-US" sz="1600" dirty="0"/>
+              <a:t>-Update </a:t>
+            </a:r>
+          </a:p>
+          <a:p>
+            <a:r>
+              <a:rPr lang="en-US" sz="1600" dirty="0"/>
+              <a:t>-Delete</a:t>
+            </a:r>
+          </a:p>
+          <a:p>
+            <a:r>
+              <a:rPr lang="en-US" sz="1600" dirty="0"/>
+              <a:t>- View</a:t>
+            </a:r>
+            <a:endParaRPr lang="th-TH" sz="1600" dirty="0"/>
+          </a:p>
+        </p:txBody>
+      </p:sp>
+      <p:sp>
+        <p:nvSpPr>
+          <p:cNvPr id="63" name="กล่องข้อความ 62">
+            <a:extLst>
+              <a:ext uri="{FF2B5EF4-FFF2-40B4-BE49-F238E27FC236}">
+                <a16:creationId xmlns:a16="http://schemas.microsoft.com/office/drawing/2014/main" id="{E8F5BF40-1FBD-40A9-A7A5-D196BFDC9A70}"/>
+              </a:ext>
+            </a:extLst>
+          </p:cNvPr>
+          <p:cNvSpPr txBox="1"/>
+          <p:nvPr/>
+        </p:nvSpPr>
+        <p:spPr>
+          <a:xfrm>
+            <a:off x="8677708" y="4212370"/>
+            <a:ext cx="858633" cy="830997"/>
+          </a:xfrm>
+          <a:prstGeom prst="rect">
+            <a:avLst/>
+          </a:prstGeom>
+          <a:noFill/>
+        </p:spPr>
+        <p:txBody>
+          <a:bodyPr wrap="none" rtlCol="0">
+            <a:spAutoFit/>
+          </a:bodyPr>
+          <a:lstStyle/>
+          <a:p>
+            <a:r>
+              <a:rPr lang="en-US" sz="1600" dirty="0"/>
+              <a:t>-Create </a:t>
+            </a:r>
+          </a:p>
+          <a:p>
+            <a:r>
+              <a:rPr lang="en-US" sz="1600" dirty="0"/>
+              <a:t>-Update</a:t>
+            </a:r>
+          </a:p>
+          <a:p>
+            <a:r>
+              <a:rPr lang="en-US" sz="1600" dirty="0"/>
+              <a:t>-View</a:t>
+            </a:r>
+            <a:endParaRPr lang="th-TH" sz="1600" dirty="0"/>
+          </a:p>
+        </p:txBody>
+      </p:sp>
+      <p:sp>
+        <p:nvSpPr>
+          <p:cNvPr id="64" name="กล่องข้อความ 63">
+            <a:extLst>
+              <a:ext uri="{FF2B5EF4-FFF2-40B4-BE49-F238E27FC236}">
+                <a16:creationId xmlns:a16="http://schemas.microsoft.com/office/drawing/2014/main" id="{AC8B9018-D5D9-4D97-A2E3-1B0A75A9B361}"/>
+              </a:ext>
+            </a:extLst>
+          </p:cNvPr>
+          <p:cNvSpPr txBox="1"/>
+          <p:nvPr/>
+        </p:nvSpPr>
+        <p:spPr>
+          <a:xfrm>
+            <a:off x="8651928" y="5719626"/>
+            <a:ext cx="905120" cy="830997"/>
+          </a:xfrm>
+          <a:prstGeom prst="rect">
+            <a:avLst/>
+          </a:prstGeom>
+          <a:noFill/>
+        </p:spPr>
+        <p:txBody>
+          <a:bodyPr wrap="none" rtlCol="0">
+            <a:spAutoFit/>
+          </a:bodyPr>
+          <a:lstStyle/>
+          <a:p>
+            <a:r>
+              <a:rPr lang="en-US" sz="1600" dirty="0"/>
+              <a:t>-Create</a:t>
+            </a:r>
+          </a:p>
+          <a:p>
+            <a:r>
+              <a:rPr lang="en-US" sz="1600" dirty="0"/>
+              <a:t>-Update </a:t>
+            </a:r>
+          </a:p>
+          <a:p>
+            <a:r>
+              <a:rPr lang="en-US" sz="1600" dirty="0"/>
+              <a:t>-View</a:t>
+            </a:r>
+            <a:endParaRPr lang="th-TH" sz="1600" dirty="0"/>
+          </a:p>
+        </p:txBody>
+      </p:sp>
     </p:spTree>
     <p:extLst>
       <p:ext uri="{BB962C8B-B14F-4D97-AF65-F5344CB8AC3E}">
